--- a/Praesentation/AKR_Gruppe4_Zwischenstand.pptx
+++ b/Praesentation/AKR_Gruppe4_Zwischenstand.pptx
@@ -17317,7 +17317,7 @@
               <a:rPr lang="de-DE" sz="2000" i="1" cap="none" dirty="0">
                 <a:latin typeface="+mn-lt"/>
               </a:rPr>
-              <a:t>Integration des </a:t>
+              <a:t>Integration eines </a:t>
             </a:r>
             <a:r>
               <a:rPr lang="de-DE" sz="2000" i="1" cap="none" dirty="0" err="1">
@@ -17329,7 +17329,7 @@
               <a:rPr lang="de-DE" sz="2000" i="1" cap="none" dirty="0">
                 <a:latin typeface="+mn-lt"/>
               </a:rPr>
-              <a:t> und einer Plattform</a:t>
+              <a:t> und einer Roboter-Halterung</a:t>
             </a:r>
           </a:p>
           <a:p>
@@ -17358,8 +17358,8 @@
         </p:nvSpPr>
         <p:spPr>
           <a:xfrm>
-            <a:off x="406402" y="2053756"/>
-            <a:ext cx="7566024" cy="456535"/>
+            <a:off x="406401" y="2053756"/>
+            <a:ext cx="7117029" cy="3570208"/>
           </a:xfrm>
           <a:prstGeom prst="rect">
             <a:avLst/>
@@ -17380,9 +17380,124 @@
               <a:buChar char="•"/>
             </a:pPr>
             <a:r>
+              <a:rPr lang="de-DE" dirty="0"/>
+              <a:t>Konstruktion einer Roboter-Halterung als solider Block</a:t>
+            </a:r>
+          </a:p>
+          <a:p>
+            <a:pPr marL="742950" lvl="1" indent="-285750">
+              <a:lnSpc>
+                <a:spcPct val="150000"/>
+              </a:lnSpc>
+              <a:buFont typeface="Wingdings" panose="05000000000000000000" pitchFamily="2" charset="2"/>
+              <a:buChar char="Ø"/>
+            </a:pPr>
+            <a:r>
+              <a:rPr lang="de-DE" dirty="0"/>
+              <a:t>Anpassung des Base-Koordinatensystems</a:t>
+            </a:r>
+          </a:p>
+          <a:p>
+            <a:pPr marL="285750" indent="-285750">
+              <a:lnSpc>
+                <a:spcPct val="150000"/>
+              </a:lnSpc>
+              <a:spcBef>
+                <a:spcPts val="1600"/>
+              </a:spcBef>
+              <a:buFont typeface="Arial" panose="020B0604020202020204" pitchFamily="34" charset="0"/>
+              <a:buChar char="•"/>
+            </a:pPr>
+            <a:r>
+              <a:rPr lang="de-DE" dirty="0"/>
+              <a:t>Download der </a:t>
+            </a:r>
+            <a:r>
               <a:rPr lang="de-DE" dirty="0" err="1"/>
-              <a:t>tbd</a:t>
-            </a:r>
+              <a:t>step</a:t>
+            </a:r>
+            <a:r>
+              <a:rPr lang="de-DE" dirty="0"/>
+              <a:t>-Datei eines Greifers </a:t>
+            </a:r>
+            <a:r>
+              <a:rPr lang="de-DE" sz="1600" i="1" dirty="0"/>
+              <a:t>(</a:t>
+            </a:r>
+            <a:r>
+              <a:rPr lang="de-DE" sz="1600" i="1" dirty="0">
+                <a:hlinkClick r:id="rId2"/>
+              </a:rPr>
+              <a:t>https://www.traceparts.com</a:t>
+            </a:r>
+            <a:r>
+              <a:rPr lang="de-DE" sz="1600" i="1" dirty="0"/>
+              <a:t>)</a:t>
+            </a:r>
+          </a:p>
+          <a:p>
+            <a:pPr marL="285750" indent="-285750">
+              <a:lnSpc>
+                <a:spcPct val="150000"/>
+              </a:lnSpc>
+              <a:buFont typeface="Arial" panose="020B0604020202020204" pitchFamily="34" charset="0"/>
+              <a:buChar char="•"/>
+            </a:pPr>
+            <a:r>
+              <a:rPr lang="de-DE" dirty="0"/>
+              <a:t>Konstruktion des </a:t>
+            </a:r>
+            <a:r>
+              <a:rPr lang="de-DE" dirty="0" err="1"/>
+              <a:t>Greifersystems</a:t>
+            </a:r>
+            <a:endParaRPr lang="de-DE" dirty="0"/>
+          </a:p>
+          <a:p>
+            <a:pPr marL="742950" lvl="1" indent="-285750">
+              <a:lnSpc>
+                <a:spcPct val="150000"/>
+              </a:lnSpc>
+              <a:buFont typeface="Wingdings" panose="05000000000000000000" pitchFamily="2" charset="2"/>
+              <a:buChar char="Ø"/>
+            </a:pPr>
+            <a:r>
+              <a:rPr lang="de-DE" dirty="0"/>
+              <a:t>Werkzeug-Halterung als solider Block</a:t>
+            </a:r>
+          </a:p>
+          <a:p>
+            <a:pPr marL="742950" lvl="1" indent="-285750">
+              <a:lnSpc>
+                <a:spcPct val="150000"/>
+              </a:lnSpc>
+              <a:buFont typeface="Wingdings" panose="05000000000000000000" pitchFamily="2" charset="2"/>
+              <a:buChar char="Ø"/>
+            </a:pPr>
+            <a:r>
+              <a:rPr lang="de-DE" dirty="0"/>
+              <a:t>Einfügen der zwei Greifer</a:t>
+            </a:r>
+          </a:p>
+          <a:p>
+            <a:pPr marL="742950" lvl="1" indent="-285750">
+              <a:lnSpc>
+                <a:spcPct val="150000"/>
+              </a:lnSpc>
+              <a:buFont typeface="Wingdings" panose="05000000000000000000" pitchFamily="2" charset="2"/>
+              <a:buChar char="Ø"/>
+            </a:pPr>
+            <a:r>
+              <a:rPr lang="de-DE" dirty="0"/>
+              <a:t>Zylinderstift als solider Block</a:t>
+            </a:r>
+          </a:p>
+          <a:p>
+            <a:pPr>
+              <a:lnSpc>
+                <a:spcPct val="150000"/>
+              </a:lnSpc>
+            </a:pPr>
             <a:endParaRPr lang="de-DE" dirty="0"/>
           </a:p>
         </p:txBody>
@@ -17402,7 +17517,7 @@
           <p:nvPr/>
         </p:nvPicPr>
         <p:blipFill rotWithShape="1">
-          <a:blip r:embed="rId2"/>
+          <a:blip r:embed="rId3"/>
           <a:srcRect l="35229" t="28612" r="2818" b="13565"/>
           <a:stretch/>
         </p:blipFill>
@@ -17626,7 +17741,7 @@
         <p:spPr>
           <a:xfrm>
             <a:off x="406402" y="2053756"/>
-            <a:ext cx="7566024" cy="456535"/>
+            <a:ext cx="5351602" cy="2534027"/>
           </a:xfrm>
           <a:prstGeom prst="rect">
             <a:avLst/>
@@ -17647,13 +17762,82 @@
               <a:buChar char="•"/>
             </a:pPr>
             <a:r>
+              <a:rPr lang="de-DE" dirty="0"/>
+              <a:t>Bewegung durch Ansteuerung der einzelnen Achsen</a:t>
+            </a:r>
+          </a:p>
+          <a:p>
+            <a:pPr marL="285750" indent="-285750">
+              <a:lnSpc>
+                <a:spcPct val="150000"/>
+              </a:lnSpc>
+              <a:buFont typeface="Arial" panose="020B0604020202020204" pitchFamily="34" charset="0"/>
+              <a:buChar char="•"/>
+            </a:pPr>
+            <a:r>
+              <a:rPr lang="de-DE" dirty="0"/>
+              <a:t>Erstellung von Signalverläufen mit „Signal </a:t>
+            </a:r>
+            <a:r>
               <a:rPr lang="de-DE" dirty="0" err="1"/>
-              <a:t>tbd</a:t>
-            </a:r>
+              <a:t>Builder</a:t>
+            </a:r>
+            <a:r>
+              <a:rPr lang="de-DE"/>
+              <a:t>“-Block</a:t>
+            </a:r>
+          </a:p>
+          <a:p>
+            <a:pPr marL="285750" indent="-285750">
+              <a:lnSpc>
+                <a:spcPct val="150000"/>
+              </a:lnSpc>
+              <a:buFont typeface="Arial" panose="020B0604020202020204" pitchFamily="34" charset="0"/>
+              <a:buChar char="•"/>
+            </a:pPr>
+            <a:endParaRPr lang="de-DE" dirty="0"/>
+          </a:p>
+          <a:p>
+            <a:pPr marL="742950" lvl="1" indent="-285750">
+              <a:lnSpc>
+                <a:spcPct val="150000"/>
+              </a:lnSpc>
+              <a:buFont typeface="Arial" panose="020B0604020202020204" pitchFamily="34" charset="0"/>
+              <a:buChar char="•"/>
+            </a:pPr>
             <a:endParaRPr lang="de-DE" dirty="0"/>
           </a:p>
         </p:txBody>
       </p:sp>
+      <p:pic>
+        <p:nvPicPr>
+          <p:cNvPr id="6" name="Grafik 5">
+            <a:extLst>
+              <a:ext uri="{FF2B5EF4-FFF2-40B4-BE49-F238E27FC236}">
+                <a16:creationId xmlns:a16="http://schemas.microsoft.com/office/drawing/2014/main" id="{DC6FDF7C-EC40-4F10-B21E-40A7D4236E97}"/>
+              </a:ext>
+            </a:extLst>
+          </p:cNvPr>
+          <p:cNvPicPr>
+            <a:picLocks noChangeAspect="1"/>
+          </p:cNvPicPr>
+          <p:nvPr/>
+        </p:nvPicPr>
+        <p:blipFill rotWithShape="1">
+          <a:blip r:embed="rId2"/>
+          <a:srcRect l="1172" t="4797" r="1004" b="5026"/>
+          <a:stretch/>
+        </p:blipFill>
+        <p:spPr>
+          <a:xfrm>
+            <a:off x="5948127" y="1885615"/>
+            <a:ext cx="5835358" cy="4489899"/>
+          </a:xfrm>
+          <a:prstGeom prst="rect">
+            <a:avLst/>
+          </a:prstGeom>
+        </p:spPr>
+      </p:pic>
     </p:spTree>
     <p:extLst>
       <p:ext uri="{BB962C8B-B14F-4D97-AF65-F5344CB8AC3E}">
@@ -17706,8 +17890,8 @@
           <a:p>
             <a:pPr algn="ctr"/>
             <a:r>
-              <a:rPr lang="de-DE"/>
-              <a:t>VIELEN DANK!</a:t>
+              <a:rPr lang="de-DE" dirty="0"/>
+              <a:t>Demo</a:t>
             </a:r>
           </a:p>
         </p:txBody>

--- a/Praesentation/AKR_Gruppe4_Zwischenstand.pptx
+++ b/Praesentation/AKR_Gruppe4_Zwischenstand.pptx
@@ -5,7 +5,7 @@
     <p:sldMasterId id="2147483648" r:id="rId4"/>
   </p:sldMasterIdLst>
   <p:notesMasterIdLst>
-    <p:notesMasterId r:id="rId12"/>
+    <p:notesMasterId r:id="rId15"/>
   </p:notesMasterIdLst>
   <p:sldIdLst>
     <p:sldId id="360" r:id="rId5"/>
@@ -14,7 +14,10 @@
     <p:sldId id="361" r:id="rId8"/>
     <p:sldId id="362" r:id="rId9"/>
     <p:sldId id="359" r:id="rId10"/>
-    <p:sldId id="329" r:id="rId11"/>
+    <p:sldId id="363" r:id="rId11"/>
+    <p:sldId id="364" r:id="rId12"/>
+    <p:sldId id="365" r:id="rId13"/>
+    <p:sldId id="329" r:id="rId14"/>
   </p:sldIdLst>
   <p:sldSz cx="12192000" cy="6858000"/>
   <p:notesSz cx="6858000" cy="9144000"/>
@@ -234,7 +237,7 @@
           <a:p>
             <a:fld id="{CF93AEB5-C303-4762-90A0-AF697EB357C4}" type="datetimeFigureOut">
               <a:rPr lang="de-DE" smtClean="0"/>
-              <a:t>20.01.2022</a:t>
+              <a:t>21.01.2022</a:t>
             </a:fld>
             <a:endParaRPr lang="de-DE"/>
           </a:p>
@@ -392,7 +395,7 @@
           <a:p>
             <a:fld id="{590C587F-9620-41AA-8442-404D6D597627}" type="slidenum">
               <a:rPr lang="de-DE" smtClean="0"/>
-              <a:t>‹Nr.›</a:t>
+              <a:t>‹#›</a:t>
             </a:fld>
             <a:endParaRPr lang="de-DE"/>
           </a:p>
@@ -1616,7 +1619,7 @@
             <a:fld id="{E6B5151A-17C4-4431-8407-112C0160A8B6}" type="slidenum">
               <a:rPr lang="de-DE" smtClean="0"/>
               <a:pPr/>
-              <a:t>‹Nr.›</a:t>
+              <a:t>‹#›</a:t>
             </a:fld>
             <a:endParaRPr lang="de-DE"/>
           </a:p>
@@ -2455,7 +2458,7 @@
             <a:fld id="{E6B5151A-17C4-4431-8407-112C0160A8B6}" type="slidenum">
               <a:rPr lang="de-DE" smtClean="0"/>
               <a:pPr/>
-              <a:t>‹Nr.›</a:t>
+              <a:t>‹#›</a:t>
             </a:fld>
             <a:endParaRPr lang="de-DE"/>
           </a:p>
@@ -2907,7 +2910,7 @@
             <a:fld id="{E6B5151A-17C4-4431-8407-112C0160A8B6}" type="slidenum">
               <a:rPr lang="de-DE" smtClean="0"/>
               <a:pPr/>
-              <a:t>‹Nr.›</a:t>
+              <a:t>‹#›</a:t>
             </a:fld>
             <a:endParaRPr lang="de-DE"/>
           </a:p>
@@ -3372,7 +3375,7 @@
             <a:fld id="{E6B5151A-17C4-4431-8407-112C0160A8B6}" type="slidenum">
               <a:rPr lang="de-DE" smtClean="0"/>
               <a:pPr/>
-              <a:t>‹Nr.›</a:t>
+              <a:t>‹#›</a:t>
             </a:fld>
             <a:endParaRPr lang="de-DE"/>
           </a:p>
@@ -3519,7 +3522,7 @@
             <a:fld id="{E6B5151A-17C4-4431-8407-112C0160A8B6}" type="slidenum">
               <a:rPr lang="de-DE" smtClean="0"/>
               <a:pPr/>
-              <a:t>‹Nr.›</a:t>
+              <a:t>‹#›</a:t>
             </a:fld>
             <a:endParaRPr lang="de-DE"/>
           </a:p>
@@ -5542,7 +5545,7 @@
             <a:fld id="{E6B5151A-17C4-4431-8407-112C0160A8B6}" type="slidenum">
               <a:rPr lang="de-DE" smtClean="0"/>
               <a:pPr/>
-              <a:t>‹Nr.›</a:t>
+              <a:t>‹#›</a:t>
             </a:fld>
             <a:endParaRPr lang="de-DE"/>
           </a:p>
@@ -7318,7 +7321,7 @@
             <a:fld id="{E6B5151A-17C4-4431-8407-112C0160A8B6}" type="slidenum">
               <a:rPr lang="de-DE" smtClean="0"/>
               <a:pPr/>
-              <a:t>‹Nr.›</a:t>
+              <a:t>‹#›</a:t>
             </a:fld>
             <a:endParaRPr lang="de-DE"/>
           </a:p>
@@ -8601,7 +8604,7 @@
             <a:fld id="{E6B5151A-17C4-4431-8407-112C0160A8B6}" type="slidenum">
               <a:rPr lang="de-DE" smtClean="0"/>
               <a:pPr/>
-              <a:t>‹Nr.›</a:t>
+              <a:t>‹#›</a:t>
             </a:fld>
             <a:endParaRPr lang="de-DE"/>
           </a:p>
@@ -8786,7 +8789,7 @@
             <a:fld id="{E6B5151A-17C4-4431-8407-112C0160A8B6}" type="slidenum">
               <a:rPr lang="de-DE" smtClean="0"/>
               <a:pPr/>
-              <a:t>‹Nr.›</a:t>
+              <a:t>‹#›</a:t>
             </a:fld>
             <a:endParaRPr lang="de-DE"/>
           </a:p>
@@ -10136,7 +10139,7 @@
             <a:fld id="{E6B5151A-17C4-4431-8407-112C0160A8B6}" type="slidenum">
               <a:rPr lang="de-DE" smtClean="0"/>
               <a:pPr/>
-              <a:t>‹Nr.›</a:t>
+              <a:t>‹#›</a:t>
             </a:fld>
             <a:endParaRPr lang="de-DE"/>
           </a:p>
@@ -10386,7 +10389,7 @@
             <a:fld id="{E6B5151A-17C4-4431-8407-112C0160A8B6}" type="slidenum">
               <a:rPr lang="de-DE" smtClean="0"/>
               <a:pPr/>
-              <a:t>‹Nr.›</a:t>
+              <a:t>‹#›</a:t>
             </a:fld>
             <a:endParaRPr lang="de-DE"/>
           </a:p>
@@ -10798,7 +10801,7 @@
             <a:fld id="{E6B5151A-17C4-4431-8407-112C0160A8B6}" type="slidenum">
               <a:rPr lang="de-DE" smtClean="0"/>
               <a:pPr/>
-              <a:t>‹Nr.›</a:t>
+              <a:t>‹#›</a:t>
             </a:fld>
             <a:endParaRPr lang="de-DE"/>
           </a:p>
@@ -11404,7 +11407,7 @@
             <a:fld id="{E6B5151A-17C4-4431-8407-112C0160A8B6}" type="slidenum">
               <a:rPr lang="de-DE" smtClean="0"/>
               <a:pPr/>
-              <a:t>‹Nr.›</a:t>
+              <a:t>‹#›</a:t>
             </a:fld>
             <a:endParaRPr lang="de-DE"/>
           </a:p>
@@ -14917,7 +14920,7 @@
             <a:fld id="{E6B5151A-17C4-4431-8407-112C0160A8B6}" type="slidenum">
               <a:rPr lang="de-DE" smtClean="0"/>
               <a:pPr/>
-              <a:t>‹Nr.›</a:t>
+              <a:t>‹#›</a:t>
             </a:fld>
             <a:endParaRPr lang="de-DE"/>
           </a:p>
@@ -15746,6 +15749,162 @@
 </p:sld>
 </file>
 
+<file path=ppt/slides/slide10.xml><?xml version="1.0" encoding="utf-8"?>
+<p:sld xmlns:a="http://schemas.openxmlformats.org/drawingml/2006/main" xmlns:r="http://schemas.openxmlformats.org/officeDocument/2006/relationships" xmlns:p="http://schemas.openxmlformats.org/presentationml/2006/main">
+  <p:cSld>
+    <p:spTree>
+      <p:nvGrpSpPr>
+        <p:cNvPr id="1" name=""/>
+        <p:cNvGrpSpPr/>
+        <p:nvPr/>
+      </p:nvGrpSpPr>
+      <p:grpSpPr>
+        <a:xfrm>
+          <a:off x="0" y="0"/>
+          <a:ext cx="0" cy="0"/>
+          <a:chOff x="0" y="0"/>
+          <a:chExt cx="0" cy="0"/>
+        </a:xfrm>
+      </p:grpSpPr>
+      <p:sp>
+        <p:nvSpPr>
+          <p:cNvPr id="24" name="Vertikaler Textplatzhalter 23"/>
+          <p:cNvSpPr>
+            <a:spLocks noGrp="1"/>
+          </p:cNvSpPr>
+          <p:nvPr>
+            <p:ph type="body" orient="vert" idx="14"/>
+          </p:nvPr>
+        </p:nvSpPr>
+        <p:spPr>
+          <a:xfrm>
+            <a:off x="-2152650" y="2326238"/>
+            <a:ext cx="12192000" cy="1915337"/>
+          </a:xfrm>
+        </p:spPr>
+        <p:txBody>
+          <a:bodyPr/>
+          <a:lstStyle/>
+          <a:p>
+            <a:pPr algn="ctr"/>
+            <a:r>
+              <a:rPr lang="de-DE" dirty="0"/>
+              <a:t>Demo</a:t>
+            </a:r>
+          </a:p>
+        </p:txBody>
+      </p:sp>
+      <p:sp>
+        <p:nvSpPr>
+          <p:cNvPr id="12" name="Datumsplatzhalter 11">
+            <a:extLst>
+              <a:ext uri="{FF2B5EF4-FFF2-40B4-BE49-F238E27FC236}">
+                <a16:creationId xmlns:a16="http://schemas.microsoft.com/office/drawing/2014/main" id="{52AECA44-6693-4EB7-B2B5-6A2C586FE67D}"/>
+              </a:ext>
+            </a:extLst>
+          </p:cNvPr>
+          <p:cNvSpPr>
+            <a:spLocks noGrp="1"/>
+          </p:cNvSpPr>
+          <p:nvPr>
+            <p:ph type="dt" sz="half" idx="10"/>
+          </p:nvPr>
+        </p:nvSpPr>
+        <p:spPr/>
+        <p:txBody>
+          <a:bodyPr/>
+          <a:lstStyle/>
+          <a:p>
+            <a:r>
+              <a:rPr lang="de-DE"/>
+              <a:t>Campus Sontheim</a:t>
+            </a:r>
+          </a:p>
+        </p:txBody>
+      </p:sp>
+      <p:sp>
+        <p:nvSpPr>
+          <p:cNvPr id="13" name="Fußzeilenplatzhalter 12">
+            <a:extLst>
+              <a:ext uri="{FF2B5EF4-FFF2-40B4-BE49-F238E27FC236}">
+                <a16:creationId xmlns:a16="http://schemas.microsoft.com/office/drawing/2014/main" id="{D90DBF1E-C4B8-4D3B-84CE-E6AD5C7EB472}"/>
+              </a:ext>
+            </a:extLst>
+          </p:cNvPr>
+          <p:cNvSpPr>
+            <a:spLocks noGrp="1"/>
+          </p:cNvSpPr>
+          <p:nvPr>
+            <p:ph type="ftr" sz="quarter" idx="11"/>
+          </p:nvPr>
+        </p:nvSpPr>
+        <p:spPr/>
+        <p:txBody>
+          <a:bodyPr/>
+          <a:lstStyle/>
+          <a:p>
+            <a:r>
+              <a:rPr lang="de-DE" sz="1000" dirty="0"/>
+              <a:t>WS 21/22  |  Schäfer, Lisa-Franziska / </a:t>
+            </a:r>
+            <a:r>
+              <a:rPr lang="de-DE" sz="1000" dirty="0" err="1"/>
+              <a:t>Kondratev</a:t>
+            </a:r>
+            <a:r>
+              <a:rPr lang="de-DE" sz="1000" dirty="0"/>
+              <a:t>, Semyon</a:t>
+            </a:r>
+          </a:p>
+        </p:txBody>
+      </p:sp>
+      <p:sp>
+        <p:nvSpPr>
+          <p:cNvPr id="14" name="Foliennummernplatzhalter 13">
+            <a:extLst>
+              <a:ext uri="{FF2B5EF4-FFF2-40B4-BE49-F238E27FC236}">
+                <a16:creationId xmlns:a16="http://schemas.microsoft.com/office/drawing/2014/main" id="{F034B9B7-B9EB-4395-8629-FCFEFC1BEA19}"/>
+              </a:ext>
+            </a:extLst>
+          </p:cNvPr>
+          <p:cNvSpPr>
+            <a:spLocks noGrp="1"/>
+          </p:cNvSpPr>
+          <p:nvPr>
+            <p:ph type="sldNum" sz="quarter" idx="12"/>
+          </p:nvPr>
+        </p:nvSpPr>
+        <p:spPr/>
+        <p:txBody>
+          <a:bodyPr/>
+          <a:lstStyle/>
+          <a:p>
+            <a:r>
+              <a:rPr lang="de-DE"/>
+              <a:t>|  </a:t>
+            </a:r>
+            <a:fld id="{E6B5151A-17C4-4431-8407-112C0160A8B6}" type="slidenum">
+              <a:rPr lang="de-DE" smtClean="0"/>
+              <a:pPr/>
+              <a:t>10</a:t>
+            </a:fld>
+            <a:endParaRPr lang="de-DE"/>
+          </a:p>
+        </p:txBody>
+      </p:sp>
+    </p:spTree>
+    <p:extLst>
+      <p:ext uri="{BB962C8B-B14F-4D97-AF65-F5344CB8AC3E}">
+        <p14:creationId xmlns:p14="http://schemas.microsoft.com/office/powerpoint/2010/main" val="4120721536"/>
+      </p:ext>
+    </p:extLst>
+  </p:cSld>
+  <p:clrMapOvr>
+    <a:masterClrMapping/>
+  </p:clrMapOvr>
+</p:sld>
+</file>
+
 <file path=ppt/slides/slide2.xml><?xml version="1.0" encoding="utf-8"?>
 <p:sld xmlns:a="http://schemas.openxmlformats.org/drawingml/2006/main" xmlns:r="http://schemas.openxmlformats.org/officeDocument/2006/relationships" xmlns:p="http://schemas.openxmlformats.org/presentationml/2006/main">
   <p:cSld>
@@ -16092,7 +16251,7 @@
         </p:nvSpPr>
         <p:spPr>
           <a:xfrm>
-            <a:off x="482601" y="2164715"/>
+            <a:off x="511176" y="2183765"/>
             <a:ext cx="1073153" cy="3046988"/>
           </a:xfrm>
           <a:prstGeom prst="rect">
@@ -17870,38 +18029,10 @@
       </p:grpSpPr>
       <p:sp>
         <p:nvSpPr>
-          <p:cNvPr id="24" name="Vertikaler Textplatzhalter 23"/>
-          <p:cNvSpPr>
-            <a:spLocks noGrp="1"/>
-          </p:cNvSpPr>
-          <p:nvPr>
-            <p:ph type="body" orient="vert" idx="14"/>
-          </p:nvPr>
-        </p:nvSpPr>
-        <p:spPr>
-          <a:xfrm>
-            <a:off x="-2152650" y="2326238"/>
-            <a:ext cx="12192000" cy="1915337"/>
-          </a:xfrm>
-        </p:spPr>
-        <p:txBody>
-          <a:bodyPr/>
-          <a:lstStyle/>
-          <a:p>
-            <a:pPr algn="ctr"/>
-            <a:r>
-              <a:rPr lang="de-DE" dirty="0"/>
-              <a:t>Demo</a:t>
-            </a:r>
-          </a:p>
-        </p:txBody>
-      </p:sp>
-      <p:sp>
-        <p:nvSpPr>
-          <p:cNvPr id="12" name="Datumsplatzhalter 11">
+          <p:cNvPr id="2" name="Дата 1">
             <a:extLst>
               <a:ext uri="{FF2B5EF4-FFF2-40B4-BE49-F238E27FC236}">
-                <a16:creationId xmlns:a16="http://schemas.microsoft.com/office/drawing/2014/main" id="{52AECA44-6693-4EB7-B2B5-6A2C586FE67D}"/>
+                <a16:creationId xmlns:a16="http://schemas.microsoft.com/office/drawing/2014/main" id="{AB6D29C8-EBED-470F-996F-3D969500120B}"/>
               </a:ext>
             </a:extLst>
           </p:cNvPr>
@@ -17926,10 +18057,10 @@
       </p:sp>
       <p:sp>
         <p:nvSpPr>
-          <p:cNvPr id="13" name="Fußzeilenplatzhalter 12">
+          <p:cNvPr id="3" name="Нижний колонтитул 2">
             <a:extLst>
               <a:ext uri="{FF2B5EF4-FFF2-40B4-BE49-F238E27FC236}">
-                <a16:creationId xmlns:a16="http://schemas.microsoft.com/office/drawing/2014/main" id="{D90DBF1E-C4B8-4D3B-84CE-E6AD5C7EB472}"/>
+                <a16:creationId xmlns:a16="http://schemas.microsoft.com/office/drawing/2014/main" id="{2A198937-A2D9-4426-9E2C-3AF6F04EE703}"/>
               </a:ext>
             </a:extLst>
           </p:cNvPr>
@@ -17946,26 +18077,18 @@
           <a:lstStyle/>
           <a:p>
             <a:r>
-              <a:rPr lang="de-DE" sz="1000" dirty="0"/>
-              <a:t>WS 21/22  |  Schäfer, Lisa-Franziska / </a:t>
-            </a:r>
-            <a:r>
-              <a:rPr lang="de-DE" sz="1000" dirty="0" err="1"/>
-              <a:t>Kondratev</a:t>
-            </a:r>
-            <a:r>
-              <a:rPr lang="de-DE" sz="1000" dirty="0"/>
-              <a:t>, Semyon</a:t>
+              <a:rPr lang="de-DE"/>
+              <a:t>Studentische Arbeiten </a:t>
             </a:r>
           </a:p>
         </p:txBody>
       </p:sp>
       <p:sp>
         <p:nvSpPr>
-          <p:cNvPr id="14" name="Foliennummernplatzhalter 13">
+          <p:cNvPr id="4" name="Номер слайда 3">
             <a:extLst>
               <a:ext uri="{FF2B5EF4-FFF2-40B4-BE49-F238E27FC236}">
-                <a16:creationId xmlns:a16="http://schemas.microsoft.com/office/drawing/2014/main" id="{F034B9B7-B9EB-4395-8629-FCFEFC1BEA19}"/>
+                <a16:creationId xmlns:a16="http://schemas.microsoft.com/office/drawing/2014/main" id="{950C53D2-527F-4A3C-BEFA-4401AC8B000F}"/>
               </a:ext>
             </a:extLst>
           </p:cNvPr>
@@ -17994,10 +18117,779 @@
           </a:p>
         </p:txBody>
       </p:sp>
+      <p:sp>
+        <p:nvSpPr>
+          <p:cNvPr id="5" name="Заголовок 4">
+            <a:extLst>
+              <a:ext uri="{FF2B5EF4-FFF2-40B4-BE49-F238E27FC236}">
+                <a16:creationId xmlns:a16="http://schemas.microsoft.com/office/drawing/2014/main" id="{C9ADCD14-EC13-4EA4-B1B7-093A97C915F8}"/>
+              </a:ext>
+            </a:extLst>
+          </p:cNvPr>
+          <p:cNvSpPr>
+            <a:spLocks noGrp="1"/>
+          </p:cNvSpPr>
+          <p:nvPr>
+            <p:ph type="title"/>
+          </p:nvPr>
+        </p:nvSpPr>
+        <p:spPr/>
+        <p:txBody>
+          <a:bodyPr/>
+          <a:lstStyle/>
+          <a:p>
+            <a:r>
+              <a:rPr lang="en-US" dirty="0" err="1"/>
+              <a:t>Ausgabe</a:t>
+            </a:r>
+            <a:r>
+              <a:rPr lang="en-US" dirty="0"/>
+              <a:t> von </a:t>
+            </a:r>
+            <a:r>
+              <a:rPr lang="en-US" dirty="0" err="1"/>
+              <a:t>Drehmomentverl</a:t>
+            </a:r>
+            <a:r>
+              <a:rPr lang="de-DE" dirty="0" err="1"/>
+              <a:t>äufen</a:t>
+            </a:r>
+            <a:r>
+              <a:rPr lang="de-DE" dirty="0"/>
+              <a:t> der antriebe (inverse </a:t>
+            </a:r>
+            <a:r>
+              <a:rPr lang="de-DE" dirty="0" err="1"/>
+              <a:t>dynamik</a:t>
+            </a:r>
+            <a:r>
+              <a:rPr lang="de-DE" dirty="0"/>
+              <a:t>)</a:t>
+            </a:r>
+            <a:endParaRPr lang="LID4096" dirty="0"/>
+          </a:p>
+        </p:txBody>
+      </p:sp>
+      <p:sp>
+        <p:nvSpPr>
+          <p:cNvPr id="9" name="TextBox 8">
+            <a:extLst>
+              <a:ext uri="{FF2B5EF4-FFF2-40B4-BE49-F238E27FC236}">
+                <a16:creationId xmlns:a16="http://schemas.microsoft.com/office/drawing/2014/main" id="{CF443F45-62E0-476F-B41F-DB636CB51CF1}"/>
+              </a:ext>
+            </a:extLst>
+          </p:cNvPr>
+          <p:cNvSpPr txBox="1"/>
+          <p:nvPr/>
+        </p:nvSpPr>
+        <p:spPr>
+          <a:xfrm>
+            <a:off x="545335" y="3041124"/>
+            <a:ext cx="5217459" cy="923330"/>
+          </a:xfrm>
+          <a:prstGeom prst="rect">
+            <a:avLst/>
+          </a:prstGeom>
+          <a:noFill/>
+        </p:spPr>
+        <p:txBody>
+          <a:bodyPr wrap="square" rtlCol="0">
+            <a:spAutoFit/>
+          </a:bodyPr>
+          <a:lstStyle/>
+          <a:p>
+            <a:pPr marL="285750" indent="-285750">
+              <a:buFont typeface="Arial" panose="020B0604020202020204" pitchFamily="34" charset="0"/>
+              <a:buChar char="•"/>
+            </a:pPr>
+            <a:r>
+              <a:rPr lang="en-US" dirty="0" err="1"/>
+              <a:t>Unendlich</a:t>
+            </a:r>
+            <a:r>
+              <a:rPr lang="en-US" dirty="0"/>
+              <a:t> gr</a:t>
+            </a:r>
+            <a:r>
+              <a:rPr lang="de-DE" dirty="0" err="1"/>
+              <a:t>oße</a:t>
+            </a:r>
+            <a:r>
+              <a:rPr lang="de-DE" dirty="0"/>
+              <a:t> Drehmomenten</a:t>
+            </a:r>
+          </a:p>
+          <a:p>
+            <a:pPr marL="285750" indent="-285750">
+              <a:buFont typeface="Arial" panose="020B0604020202020204" pitchFamily="34" charset="0"/>
+              <a:buChar char="•"/>
+            </a:pPr>
+            <a:r>
+              <a:rPr lang="de-DE" dirty="0"/>
+              <a:t>Sie könnten durch Bahn-Interpolation vermieden werden </a:t>
+            </a:r>
+            <a:endParaRPr lang="LID4096" dirty="0"/>
+          </a:p>
+        </p:txBody>
+      </p:sp>
+      <p:pic>
+        <p:nvPicPr>
+          <p:cNvPr id="13" name="Рисунок 12">
+            <a:extLst>
+              <a:ext uri="{FF2B5EF4-FFF2-40B4-BE49-F238E27FC236}">
+                <a16:creationId xmlns:a16="http://schemas.microsoft.com/office/drawing/2014/main" id="{35B16705-089F-4485-8B1E-AC6DE480344F}"/>
+              </a:ext>
+            </a:extLst>
+          </p:cNvPr>
+          <p:cNvPicPr>
+            <a:picLocks noChangeAspect="1"/>
+          </p:cNvPicPr>
+          <p:nvPr/>
+        </p:nvPicPr>
+        <p:blipFill>
+          <a:blip r:embed="rId2"/>
+          <a:stretch>
+            <a:fillRect/>
+          </a:stretch>
+        </p:blipFill>
+        <p:spPr>
+          <a:xfrm>
+            <a:off x="6223017" y="1978230"/>
+            <a:ext cx="5217459" cy="4320877"/>
+          </a:xfrm>
+          <a:prstGeom prst="rect">
+            <a:avLst/>
+          </a:prstGeom>
+        </p:spPr>
+      </p:pic>
     </p:spTree>
     <p:extLst>
       <p:ext uri="{BB962C8B-B14F-4D97-AF65-F5344CB8AC3E}">
-        <p14:creationId xmlns:p14="http://schemas.microsoft.com/office/powerpoint/2010/main" val="4120721536"/>
+        <p14:creationId xmlns:p14="http://schemas.microsoft.com/office/powerpoint/2010/main" val="3365236432"/>
+      </p:ext>
+    </p:extLst>
+  </p:cSld>
+  <p:clrMapOvr>
+    <a:masterClrMapping/>
+  </p:clrMapOvr>
+</p:sld>
+</file>
+
+<file path=ppt/slides/slide8.xml><?xml version="1.0" encoding="utf-8"?>
+<p:sld xmlns:a="http://schemas.openxmlformats.org/drawingml/2006/main" xmlns:r="http://schemas.openxmlformats.org/officeDocument/2006/relationships" xmlns:p="http://schemas.openxmlformats.org/presentationml/2006/main">
+  <p:cSld>
+    <p:spTree>
+      <p:nvGrpSpPr>
+        <p:cNvPr id="1" name=""/>
+        <p:cNvGrpSpPr/>
+        <p:nvPr/>
+      </p:nvGrpSpPr>
+      <p:grpSpPr>
+        <a:xfrm>
+          <a:off x="0" y="0"/>
+          <a:ext cx="0" cy="0"/>
+          <a:chOff x="0" y="0"/>
+          <a:chExt cx="0" cy="0"/>
+        </a:xfrm>
+      </p:grpSpPr>
+      <p:sp>
+        <p:nvSpPr>
+          <p:cNvPr id="2" name="Дата 1">
+            <a:extLst>
+              <a:ext uri="{FF2B5EF4-FFF2-40B4-BE49-F238E27FC236}">
+                <a16:creationId xmlns:a16="http://schemas.microsoft.com/office/drawing/2014/main" id="{0197FAB1-D29A-4359-A799-8BAD99F2062F}"/>
+              </a:ext>
+            </a:extLst>
+          </p:cNvPr>
+          <p:cNvSpPr>
+            <a:spLocks noGrp="1"/>
+          </p:cNvSpPr>
+          <p:nvPr>
+            <p:ph type="dt" sz="half" idx="10"/>
+          </p:nvPr>
+        </p:nvSpPr>
+        <p:spPr/>
+        <p:txBody>
+          <a:bodyPr/>
+          <a:lstStyle/>
+          <a:p>
+            <a:r>
+              <a:rPr lang="de-DE"/>
+              <a:t>Campus Sontheim</a:t>
+            </a:r>
+          </a:p>
+        </p:txBody>
+      </p:sp>
+      <p:sp>
+        <p:nvSpPr>
+          <p:cNvPr id="3" name="Нижний колонтитул 2">
+            <a:extLst>
+              <a:ext uri="{FF2B5EF4-FFF2-40B4-BE49-F238E27FC236}">
+                <a16:creationId xmlns:a16="http://schemas.microsoft.com/office/drawing/2014/main" id="{659AFCF6-9902-4AA4-BE68-C7949AF605B5}"/>
+              </a:ext>
+            </a:extLst>
+          </p:cNvPr>
+          <p:cNvSpPr>
+            <a:spLocks noGrp="1"/>
+          </p:cNvSpPr>
+          <p:nvPr>
+            <p:ph type="ftr" sz="quarter" idx="11"/>
+          </p:nvPr>
+        </p:nvSpPr>
+        <p:spPr/>
+        <p:txBody>
+          <a:bodyPr/>
+          <a:lstStyle/>
+          <a:p>
+            <a:r>
+              <a:rPr lang="de-DE"/>
+              <a:t>Studentische Arbeiten </a:t>
+            </a:r>
+          </a:p>
+        </p:txBody>
+      </p:sp>
+      <p:sp>
+        <p:nvSpPr>
+          <p:cNvPr id="4" name="Номер слайда 3">
+            <a:extLst>
+              <a:ext uri="{FF2B5EF4-FFF2-40B4-BE49-F238E27FC236}">
+                <a16:creationId xmlns:a16="http://schemas.microsoft.com/office/drawing/2014/main" id="{2ED1BCAF-B7DC-4952-A1B2-566D2177BA84}"/>
+              </a:ext>
+            </a:extLst>
+          </p:cNvPr>
+          <p:cNvSpPr>
+            <a:spLocks noGrp="1"/>
+          </p:cNvSpPr>
+          <p:nvPr>
+            <p:ph type="sldNum" sz="quarter" idx="12"/>
+          </p:nvPr>
+        </p:nvSpPr>
+        <p:spPr/>
+        <p:txBody>
+          <a:bodyPr/>
+          <a:lstStyle/>
+          <a:p>
+            <a:r>
+              <a:rPr lang="de-DE"/>
+              <a:t>|  </a:t>
+            </a:r>
+            <a:fld id="{E6B5151A-17C4-4431-8407-112C0160A8B6}" type="slidenum">
+              <a:rPr lang="de-DE" smtClean="0"/>
+              <a:pPr/>
+              <a:t>8</a:t>
+            </a:fld>
+            <a:endParaRPr lang="de-DE"/>
+          </a:p>
+        </p:txBody>
+      </p:sp>
+      <p:sp>
+        <p:nvSpPr>
+          <p:cNvPr id="5" name="Заголовок 4">
+            <a:extLst>
+              <a:ext uri="{FF2B5EF4-FFF2-40B4-BE49-F238E27FC236}">
+                <a16:creationId xmlns:a16="http://schemas.microsoft.com/office/drawing/2014/main" id="{A103501A-6198-4D49-A42A-2B7E34C5FA9A}"/>
+              </a:ext>
+            </a:extLst>
+          </p:cNvPr>
+          <p:cNvSpPr>
+            <a:spLocks noGrp="1"/>
+          </p:cNvSpPr>
+          <p:nvPr>
+            <p:ph type="title"/>
+          </p:nvPr>
+        </p:nvSpPr>
+        <p:spPr/>
+        <p:txBody>
+          <a:bodyPr/>
+          <a:lstStyle/>
+          <a:p>
+            <a:r>
+              <a:rPr lang="de-DE" dirty="0" err="1"/>
+              <a:t>Vergleichrechnung</a:t>
+            </a:r>
+            <a:r>
+              <a:rPr lang="de-DE" dirty="0"/>
+              <a:t> mit newton-</a:t>
+            </a:r>
+            <a:r>
+              <a:rPr lang="de-DE" dirty="0" err="1"/>
+              <a:t>euler</a:t>
+            </a:r>
+            <a:r>
+              <a:rPr lang="de-DE" dirty="0"/>
+              <a:t>-verfahren im </a:t>
+            </a:r>
+            <a:r>
+              <a:rPr lang="de-DE" dirty="0" err="1"/>
+              <a:t>matlab</a:t>
+            </a:r>
+            <a:endParaRPr lang="LID4096" dirty="0"/>
+          </a:p>
+        </p:txBody>
+      </p:sp>
+      <p:pic>
+        <p:nvPicPr>
+          <p:cNvPr id="8" name="Рисунок 7">
+            <a:extLst>
+              <a:ext uri="{FF2B5EF4-FFF2-40B4-BE49-F238E27FC236}">
+                <a16:creationId xmlns:a16="http://schemas.microsoft.com/office/drawing/2014/main" id="{B0B36AB3-7D45-4700-A6F7-1CB22435D8BE}"/>
+              </a:ext>
+            </a:extLst>
+          </p:cNvPr>
+          <p:cNvPicPr>
+            <a:picLocks noChangeAspect="1"/>
+          </p:cNvPicPr>
+          <p:nvPr/>
+        </p:nvPicPr>
+        <p:blipFill>
+          <a:blip r:embed="rId2"/>
+          <a:stretch>
+            <a:fillRect/>
+          </a:stretch>
+        </p:blipFill>
+        <p:spPr>
+          <a:xfrm>
+            <a:off x="6356255" y="2015412"/>
+            <a:ext cx="5209912" cy="4273419"/>
+          </a:xfrm>
+          <a:prstGeom prst="rect">
+            <a:avLst/>
+          </a:prstGeom>
+        </p:spPr>
+      </p:pic>
+      <p:sp>
+        <p:nvSpPr>
+          <p:cNvPr id="9" name="TextBox 8">
+            <a:extLst>
+              <a:ext uri="{FF2B5EF4-FFF2-40B4-BE49-F238E27FC236}">
+                <a16:creationId xmlns:a16="http://schemas.microsoft.com/office/drawing/2014/main" id="{FC161EB2-2A2E-442D-908C-725CEE1E3865}"/>
+              </a:ext>
+            </a:extLst>
+          </p:cNvPr>
+          <p:cNvSpPr txBox="1"/>
+          <p:nvPr/>
+        </p:nvSpPr>
+        <p:spPr>
+          <a:xfrm>
+            <a:off x="933061" y="2453951"/>
+            <a:ext cx="5309119" cy="2308324"/>
+          </a:xfrm>
+          <a:prstGeom prst="rect">
+            <a:avLst/>
+          </a:prstGeom>
+          <a:noFill/>
+        </p:spPr>
+        <p:txBody>
+          <a:bodyPr wrap="square" rtlCol="0">
+            <a:spAutoFit/>
+          </a:bodyPr>
+          <a:lstStyle/>
+          <a:p>
+            <a:pPr marL="285750" indent="-285750">
+              <a:buFont typeface="Arial" panose="020B0604020202020204" pitchFamily="34" charset="0"/>
+              <a:buChar char="•"/>
+            </a:pPr>
+            <a:r>
+              <a:rPr lang="de-DE" dirty="0"/>
+              <a:t>Absetzung der Winkelgeschwindigkeit</a:t>
+            </a:r>
+          </a:p>
+          <a:p>
+            <a:pPr marL="285750" indent="-285750">
+              <a:buFont typeface="Arial" panose="020B0604020202020204" pitchFamily="34" charset="0"/>
+              <a:buChar char="•"/>
+            </a:pPr>
+            <a:r>
+              <a:rPr lang="de-DE" dirty="0"/>
+              <a:t>Online Berechnung</a:t>
+            </a:r>
+          </a:p>
+          <a:p>
+            <a:pPr marL="285750" indent="-285750">
+              <a:buFont typeface="Arial" panose="020B0604020202020204" pitchFamily="34" charset="0"/>
+              <a:buChar char="•"/>
+            </a:pPr>
+            <a:endParaRPr lang="de-DE" dirty="0"/>
+          </a:p>
+          <a:p>
+            <a:r>
+              <a:rPr lang="de-DE" dirty="0"/>
+              <a:t>Verbesserungen: </a:t>
+            </a:r>
+          </a:p>
+          <a:p>
+            <a:pPr marL="285750" indent="-285750">
+              <a:buFont typeface="Arial" panose="020B0604020202020204" pitchFamily="34" charset="0"/>
+              <a:buChar char="•"/>
+            </a:pPr>
+            <a:r>
+              <a:rPr lang="de-DE" dirty="0"/>
+              <a:t>Offline zu berechnen</a:t>
+            </a:r>
+          </a:p>
+          <a:p>
+            <a:pPr marL="285750" indent="-285750">
+              <a:buFont typeface="Arial" panose="020B0604020202020204" pitchFamily="34" charset="0"/>
+              <a:buChar char="•"/>
+            </a:pPr>
+            <a:r>
+              <a:rPr lang="de-DE" dirty="0"/>
+              <a:t>Parametern wie Drehmatrizen aus einer DH-Tabelle ermitteln, sondern nicht aus dem Modell extrahieren</a:t>
+            </a:r>
+            <a:endParaRPr lang="LID4096" dirty="0"/>
+          </a:p>
+        </p:txBody>
+      </p:sp>
+    </p:spTree>
+    <p:extLst>
+      <p:ext uri="{BB962C8B-B14F-4D97-AF65-F5344CB8AC3E}">
+        <p14:creationId xmlns:p14="http://schemas.microsoft.com/office/powerpoint/2010/main" val="3281796968"/>
+      </p:ext>
+    </p:extLst>
+  </p:cSld>
+  <p:clrMapOvr>
+    <a:masterClrMapping/>
+  </p:clrMapOvr>
+</p:sld>
+</file>
+
+<file path=ppt/slides/slide9.xml><?xml version="1.0" encoding="utf-8"?>
+<p:sld xmlns:a="http://schemas.openxmlformats.org/drawingml/2006/main" xmlns:r="http://schemas.openxmlformats.org/officeDocument/2006/relationships" xmlns:p="http://schemas.openxmlformats.org/presentationml/2006/main">
+  <p:cSld>
+    <p:spTree>
+      <p:nvGrpSpPr>
+        <p:cNvPr id="1" name=""/>
+        <p:cNvGrpSpPr/>
+        <p:nvPr/>
+      </p:nvGrpSpPr>
+      <p:grpSpPr>
+        <a:xfrm>
+          <a:off x="0" y="0"/>
+          <a:ext cx="0" cy="0"/>
+          <a:chOff x="0" y="0"/>
+          <a:chExt cx="0" cy="0"/>
+        </a:xfrm>
+      </p:grpSpPr>
+      <p:sp>
+        <p:nvSpPr>
+          <p:cNvPr id="2" name="Дата 1">
+            <a:extLst>
+              <a:ext uri="{FF2B5EF4-FFF2-40B4-BE49-F238E27FC236}">
+                <a16:creationId xmlns:a16="http://schemas.microsoft.com/office/drawing/2014/main" id="{71EAD30D-B7BA-4215-B2F2-7AD1B9448872}"/>
+              </a:ext>
+            </a:extLst>
+          </p:cNvPr>
+          <p:cNvSpPr>
+            <a:spLocks noGrp="1"/>
+          </p:cNvSpPr>
+          <p:nvPr>
+            <p:ph type="dt" sz="half" idx="10"/>
+          </p:nvPr>
+        </p:nvSpPr>
+        <p:spPr/>
+        <p:txBody>
+          <a:bodyPr/>
+          <a:lstStyle/>
+          <a:p>
+            <a:r>
+              <a:rPr lang="de-DE"/>
+              <a:t>Campus Sontheim</a:t>
+            </a:r>
+          </a:p>
+        </p:txBody>
+      </p:sp>
+      <p:sp>
+        <p:nvSpPr>
+          <p:cNvPr id="3" name="Нижний колонтитул 2">
+            <a:extLst>
+              <a:ext uri="{FF2B5EF4-FFF2-40B4-BE49-F238E27FC236}">
+                <a16:creationId xmlns:a16="http://schemas.microsoft.com/office/drawing/2014/main" id="{45B52C9E-73F3-4290-ACAB-F4528A25910E}"/>
+              </a:ext>
+            </a:extLst>
+          </p:cNvPr>
+          <p:cNvSpPr>
+            <a:spLocks noGrp="1"/>
+          </p:cNvSpPr>
+          <p:nvPr>
+            <p:ph type="ftr" sz="quarter" idx="11"/>
+          </p:nvPr>
+        </p:nvSpPr>
+        <p:spPr/>
+        <p:txBody>
+          <a:bodyPr/>
+          <a:lstStyle/>
+          <a:p>
+            <a:r>
+              <a:rPr lang="de-DE"/>
+              <a:t>Studentische Arbeiten </a:t>
+            </a:r>
+          </a:p>
+        </p:txBody>
+      </p:sp>
+      <p:sp>
+        <p:nvSpPr>
+          <p:cNvPr id="4" name="Номер слайда 3">
+            <a:extLst>
+              <a:ext uri="{FF2B5EF4-FFF2-40B4-BE49-F238E27FC236}">
+                <a16:creationId xmlns:a16="http://schemas.microsoft.com/office/drawing/2014/main" id="{FFDF3787-D113-4AC1-8B1D-3BBE0809A77A}"/>
+              </a:ext>
+            </a:extLst>
+          </p:cNvPr>
+          <p:cNvSpPr>
+            <a:spLocks noGrp="1"/>
+          </p:cNvSpPr>
+          <p:nvPr>
+            <p:ph type="sldNum" sz="quarter" idx="12"/>
+          </p:nvPr>
+        </p:nvSpPr>
+        <p:spPr/>
+        <p:txBody>
+          <a:bodyPr/>
+          <a:lstStyle/>
+          <a:p>
+            <a:r>
+              <a:rPr lang="de-DE"/>
+              <a:t>|  </a:t>
+            </a:r>
+            <a:fld id="{E6B5151A-17C4-4431-8407-112C0160A8B6}" type="slidenum">
+              <a:rPr lang="de-DE" smtClean="0"/>
+              <a:pPr/>
+              <a:t>9</a:t>
+            </a:fld>
+            <a:endParaRPr lang="de-DE"/>
+          </a:p>
+        </p:txBody>
+      </p:sp>
+      <p:sp>
+        <p:nvSpPr>
+          <p:cNvPr id="5" name="Заголовок 4">
+            <a:extLst>
+              <a:ext uri="{FF2B5EF4-FFF2-40B4-BE49-F238E27FC236}">
+                <a16:creationId xmlns:a16="http://schemas.microsoft.com/office/drawing/2014/main" id="{8F92D7F3-C7BA-4E7D-9F23-2DDA359E5C99}"/>
+              </a:ext>
+            </a:extLst>
+          </p:cNvPr>
+          <p:cNvSpPr>
+            <a:spLocks noGrp="1"/>
+          </p:cNvSpPr>
+          <p:nvPr>
+            <p:ph type="title"/>
+          </p:nvPr>
+        </p:nvSpPr>
+        <p:spPr/>
+        <p:txBody>
+          <a:bodyPr/>
+          <a:lstStyle/>
+          <a:p>
+            <a:r>
+              <a:rPr lang="de-DE" dirty="0" err="1"/>
+              <a:t>Vergleichrechnung</a:t>
+            </a:r>
+            <a:r>
+              <a:rPr lang="de-DE" dirty="0"/>
+              <a:t> mit newton-</a:t>
+            </a:r>
+            <a:r>
+              <a:rPr lang="de-DE" dirty="0" err="1"/>
+              <a:t>euler</a:t>
+            </a:r>
+            <a:r>
+              <a:rPr lang="de-DE" dirty="0"/>
+              <a:t>-verfahren im </a:t>
+            </a:r>
+            <a:r>
+              <a:rPr lang="de-DE" dirty="0" err="1"/>
+              <a:t>matlab</a:t>
+            </a:r>
+            <a:endParaRPr lang="LID4096" dirty="0"/>
+          </a:p>
+        </p:txBody>
+      </p:sp>
+      <p:pic>
+        <p:nvPicPr>
+          <p:cNvPr id="8" name="Рисунок 7">
+            <a:extLst>
+              <a:ext uri="{FF2B5EF4-FFF2-40B4-BE49-F238E27FC236}">
+                <a16:creationId xmlns:a16="http://schemas.microsoft.com/office/drawing/2014/main" id="{98E83AA3-44F0-48D5-A37A-57191BA083AB}"/>
+              </a:ext>
+            </a:extLst>
+          </p:cNvPr>
+          <p:cNvPicPr>
+            <a:picLocks noChangeAspect="1"/>
+          </p:cNvPicPr>
+          <p:nvPr/>
+        </p:nvPicPr>
+        <p:blipFill>
+          <a:blip r:embed="rId2"/>
+          <a:stretch>
+            <a:fillRect/>
+          </a:stretch>
+        </p:blipFill>
+        <p:spPr>
+          <a:xfrm>
+            <a:off x="5366256" y="1897664"/>
+            <a:ext cx="5467377" cy="4482010"/>
+          </a:xfrm>
+          <a:prstGeom prst="rect">
+            <a:avLst/>
+          </a:prstGeom>
+        </p:spPr>
+      </p:pic>
+      <mc:AlternateContent xmlns:mc="http://schemas.openxmlformats.org/markup-compatibility/2006">
+        <mc:Choice xmlns:a14="http://schemas.microsoft.com/office/drawing/2010/main" Requires="a14">
+          <p:sp>
+            <p:nvSpPr>
+              <p:cNvPr id="11" name="TextBox 10">
+                <a:extLst>
+                  <a:ext uri="{FF2B5EF4-FFF2-40B4-BE49-F238E27FC236}">
+                    <a16:creationId xmlns:a16="http://schemas.microsoft.com/office/drawing/2014/main" id="{1BCFB44E-D9C5-4EA1-9D21-F2C8A8CA89F6}"/>
+                  </a:ext>
+                </a:extLst>
+              </p:cNvPr>
+              <p:cNvSpPr txBox="1"/>
+              <p:nvPr/>
+            </p:nvSpPr>
+            <p:spPr>
+              <a:xfrm>
+                <a:off x="636494" y="2702122"/>
+                <a:ext cx="3836894" cy="1200329"/>
+              </a:xfrm>
+              <a:prstGeom prst="rect">
+                <a:avLst/>
+              </a:prstGeom>
+              <a:noFill/>
+            </p:spPr>
+            <p:txBody>
+              <a:bodyPr wrap="square" rtlCol="0">
+                <a:spAutoFit/>
+              </a:bodyPr>
+              <a:lstStyle/>
+              <a:p>
+                <a:pPr marL="285750" indent="-285750">
+                  <a:buFont typeface="Arial" panose="020B0604020202020204" pitchFamily="34" charset="0"/>
+                  <a:buChar char="•"/>
+                </a:pPr>
+                <a:r>
+                  <a:rPr lang="en-US" dirty="0"/>
+                  <a:t>Rot – </a:t>
+                </a:r>
+                <a:r>
+                  <a:rPr lang="de-DE" dirty="0"/>
+                  <a:t>Beschleunigung des ersten Gelenks</a:t>
+                </a:r>
+              </a:p>
+              <a:p>
+                <a:pPr marL="285750" indent="-285750">
+                  <a:buFont typeface="Arial" panose="020B0604020202020204" pitchFamily="34" charset="0"/>
+                  <a:buChar char="•"/>
+                </a:pPr>
+                <a:r>
+                  <a:rPr lang="de-DE" dirty="0"/>
+                  <a:t>Grüne – Beschleunigung</a:t>
+                </a:r>
+                <a:r>
+                  <a:rPr lang="en-US" dirty="0"/>
+                  <a:t> </a:t>
+                </a:r>
+                <a14:m>
+                  <m:oMath xmlns:m="http://schemas.openxmlformats.org/officeDocument/2006/math">
+                    <m:sSub>
+                      <m:sSubPr>
+                        <m:ctrlPr>
+                          <a:rPr lang="en-US" i="1" smtClean="0">
+                            <a:latin typeface="Cambria Math" panose="02040503050406030204" pitchFamily="18" charset="0"/>
+                          </a:rPr>
+                        </m:ctrlPr>
+                      </m:sSubPr>
+                      <m:e>
+                        <m:acc>
+                          <m:accPr>
+                            <m:chr m:val="̇"/>
+                            <m:ctrlPr>
+                              <a:rPr lang="en-US" i="1">
+                                <a:latin typeface="Cambria Math" panose="02040503050406030204" pitchFamily="18" charset="0"/>
+                              </a:rPr>
+                            </m:ctrlPr>
+                          </m:accPr>
+                          <m:e>
+                            <m:r>
+                              <a:rPr lang="en-US" i="1">
+                                <a:latin typeface="Cambria Math" panose="02040503050406030204" pitchFamily="18" charset="0"/>
+                                <a:ea typeface="Cambria Math" panose="02040503050406030204" pitchFamily="18" charset="0"/>
+                              </a:rPr>
+                              <m:t>𝜔</m:t>
+                            </m:r>
+                          </m:e>
+                        </m:acc>
+                      </m:e>
+                      <m:sub>
+                        <m:r>
+                          <a:rPr lang="en-US" b="0" i="1" smtClean="0">
+                            <a:latin typeface="Cambria Math" panose="02040503050406030204" pitchFamily="18" charset="0"/>
+                          </a:rPr>
+                          <m:t>1</m:t>
+                        </m:r>
+                      </m:sub>
+                    </m:sSub>
+                  </m:oMath>
+                </a14:m>
+                <a:r>
+                  <a:rPr lang="de-DE" dirty="0"/>
+                  <a:t>(z-Komponente)</a:t>
+                </a:r>
+              </a:p>
+            </p:txBody>
+          </p:sp>
+        </mc:Choice>
+        <mc:Fallback>
+          <p:sp>
+            <p:nvSpPr>
+              <p:cNvPr id="11" name="TextBox 10">
+                <a:extLst>
+                  <a:ext uri="{FF2B5EF4-FFF2-40B4-BE49-F238E27FC236}">
+                    <a16:creationId xmlns:a16="http://schemas.microsoft.com/office/drawing/2014/main" id="{1BCFB44E-D9C5-4EA1-9D21-F2C8A8CA89F6}"/>
+                  </a:ext>
+                </a:extLst>
+              </p:cNvPr>
+              <p:cNvSpPr txBox="1">
+                <a:spLocks noRot="1" noChangeAspect="1" noMove="1" noResize="1" noEditPoints="1" noAdjustHandles="1" noChangeArrowheads="1" noChangeShapeType="1" noTextEdit="1"/>
+              </p:cNvSpPr>
+              <p:nvPr/>
+            </p:nvSpPr>
+            <p:spPr>
+              <a:xfrm>
+                <a:off x="636494" y="2702122"/>
+                <a:ext cx="3836894" cy="1200329"/>
+              </a:xfrm>
+              <a:prstGeom prst="rect">
+                <a:avLst/>
+              </a:prstGeom>
+              <a:blipFill>
+                <a:blip r:embed="rId3"/>
+                <a:stretch>
+                  <a:fillRect l="-952" t="-2538" r="-2857" b="-7107"/>
+                </a:stretch>
+              </a:blipFill>
+            </p:spPr>
+            <p:txBody>
+              <a:bodyPr/>
+              <a:lstStyle/>
+              <a:p>
+                <a:r>
+                  <a:rPr lang="LID4096">
+                    <a:noFill/>
+                  </a:rPr>
+                  <a:t> </a:t>
+                </a:r>
+              </a:p>
+            </p:txBody>
+          </p:sp>
+        </mc:Fallback>
+      </mc:AlternateContent>
+    </p:spTree>
+    <p:extLst>
+      <p:ext uri="{BB962C8B-B14F-4D97-AF65-F5344CB8AC3E}">
+        <p14:creationId xmlns:p14="http://schemas.microsoft.com/office/powerpoint/2010/main" val="1559981652"/>
       </p:ext>
     </p:extLst>
   </p:cSld>
@@ -18623,21 +19515,6 @@
 </file>
 
 <file path=customXml/item1.xml><?xml version="1.0" encoding="utf-8"?>
-<?mso-contentType ?>
-<FormTemplates xmlns="http://schemas.microsoft.com/sharepoint/v3/contenttype/forms">
-  <Display>DocumentLibraryForm</Display>
-  <Edit>DocumentLibraryForm</Edit>
-  <New>DocumentLibraryForm</New>
-</FormTemplates>
-</file>
-
-<file path=customXml/item2.xml><?xml version="1.0" encoding="utf-8"?>
-<p:properties xmlns:p="http://schemas.microsoft.com/office/2006/metadata/properties" xmlns:xsi="http://www.w3.org/2001/XMLSchema-instance" xmlns:pc="http://schemas.microsoft.com/office/infopath/2007/PartnerControls">
-  <documentManagement/>
-</p:properties>
-</file>
-
-<file path=customXml/item3.xml><?xml version="1.0" encoding="utf-8"?>
 <ct:contentTypeSchema xmlns:ct="http://schemas.microsoft.com/office/2006/metadata/contentType" xmlns:ma="http://schemas.microsoft.com/office/2006/metadata/properties/metaAttributes" ct:_="" ma:_="" ma:contentTypeName="Dokument" ma:contentTypeID="0x010100ECC204F3F191344D8AE62058E1B4FEDC" ma:contentTypeVersion="14" ma:contentTypeDescription="Ein neues Dokument erstellen." ma:contentTypeScope="" ma:versionID="77e76650874f562eb870e2a34af7c25b">
   <xsd:schema xmlns:xsd="http://www.w3.org/2001/XMLSchema" xmlns:xs="http://www.w3.org/2001/XMLSchema" xmlns:p="http://schemas.microsoft.com/office/2006/metadata/properties" xmlns:ns3="2a8fc212-75f7-42f0-948d-a27866643ca5" xmlns:ns4="17df97ab-8958-4a49-bc3b-ef313816d7e9" targetNamespace="http://schemas.microsoft.com/office/2006/metadata/properties" ma:root="true" ma:fieldsID="a2a24d93f4b55a42d94b19108c8cc9c4" ns3:_="" ns4:_="">
     <xsd:import namespace="2a8fc212-75f7-42f0-948d-a27866643ca5"/>
@@ -18866,10 +19743,36 @@
 </ct:contentTypeSchema>
 </file>
 
+<file path=customXml/item2.xml><?xml version="1.0" encoding="utf-8"?>
+<p:properties xmlns:p="http://schemas.microsoft.com/office/2006/metadata/properties" xmlns:xsi="http://www.w3.org/2001/XMLSchema-instance" xmlns:pc="http://schemas.microsoft.com/office/infopath/2007/PartnerControls">
+  <documentManagement/>
+</p:properties>
+</file>
+
+<file path=customXml/item3.xml><?xml version="1.0" encoding="utf-8"?>
+<?mso-contentType ?>
+<FormTemplates xmlns="http://schemas.microsoft.com/sharepoint/v3/contenttype/forms">
+  <Display>DocumentLibraryForm</Display>
+  <Edit>DocumentLibraryForm</Edit>
+  <New>DocumentLibraryForm</New>
+</FormTemplates>
+</file>
+
 <file path=customXml/itemProps1.xml><?xml version="1.0" encoding="utf-8"?>
-<ds:datastoreItem xmlns:ds="http://schemas.openxmlformats.org/officeDocument/2006/customXml" ds:itemID="{723C327C-1EFB-4D07-9907-5A7EA8944C20}">
+<ds:datastoreItem xmlns:ds="http://schemas.openxmlformats.org/officeDocument/2006/customXml" ds:itemID="{F546A699-6378-41DC-AD24-D678FC1D08C2}">
   <ds:schemaRefs>
-    <ds:schemaRef ds:uri="http://schemas.microsoft.com/sharepoint/v3/contenttype/forms"/>
+    <ds:schemaRef ds:uri="17df97ab-8958-4a49-bc3b-ef313816d7e9"/>
+    <ds:schemaRef ds:uri="2a8fc212-75f7-42f0-948d-a27866643ca5"/>
+    <ds:schemaRef ds:uri="http://purl.org/dc/elements/1.1/"/>
+    <ds:schemaRef ds:uri="http://purl.org/dc/terms/"/>
+    <ds:schemaRef ds:uri="http://schemas.microsoft.com/internal/obd"/>
+    <ds:schemaRef ds:uri="http://schemas.microsoft.com/office/2006/documentManagement/types"/>
+    <ds:schemaRef ds:uri="http://schemas.microsoft.com/office/2006/metadata/contentType"/>
+    <ds:schemaRef ds:uri="http://schemas.microsoft.com/office/2006/metadata/properties"/>
+    <ds:schemaRef ds:uri="http://schemas.microsoft.com/office/2006/metadata/properties/metaAttributes"/>
+    <ds:schemaRef ds:uri="http://schemas.microsoft.com/office/infopath/2007/PartnerControls"/>
+    <ds:schemaRef ds:uri="http://schemas.openxmlformats.org/package/2006/metadata/core-properties"/>
+    <ds:schemaRef ds:uri="http://www.w3.org/2001/XMLSchema"/>
   </ds:schemaRefs>
 </ds:datastoreItem>
 </file>
@@ -18892,20 +19795,9 @@
 </file>
 
 <file path=customXml/itemProps3.xml><?xml version="1.0" encoding="utf-8"?>
-<ds:datastoreItem xmlns:ds="http://schemas.openxmlformats.org/officeDocument/2006/customXml" ds:itemID="{F546A699-6378-41DC-AD24-D678FC1D08C2}">
+<ds:datastoreItem xmlns:ds="http://schemas.openxmlformats.org/officeDocument/2006/customXml" ds:itemID="{723C327C-1EFB-4D07-9907-5A7EA8944C20}">
   <ds:schemaRefs>
-    <ds:schemaRef ds:uri="17df97ab-8958-4a49-bc3b-ef313816d7e9"/>
-    <ds:schemaRef ds:uri="2a8fc212-75f7-42f0-948d-a27866643ca5"/>
-    <ds:schemaRef ds:uri="http://purl.org/dc/elements/1.1/"/>
-    <ds:schemaRef ds:uri="http://purl.org/dc/terms/"/>
-    <ds:schemaRef ds:uri="http://schemas.microsoft.com/internal/obd"/>
-    <ds:schemaRef ds:uri="http://schemas.microsoft.com/office/2006/documentManagement/types"/>
-    <ds:schemaRef ds:uri="http://schemas.microsoft.com/office/2006/metadata/contentType"/>
-    <ds:schemaRef ds:uri="http://schemas.microsoft.com/office/2006/metadata/properties"/>
-    <ds:schemaRef ds:uri="http://schemas.microsoft.com/office/2006/metadata/properties/metaAttributes"/>
-    <ds:schemaRef ds:uri="http://schemas.microsoft.com/office/infopath/2007/PartnerControls"/>
-    <ds:schemaRef ds:uri="http://schemas.openxmlformats.org/package/2006/metadata/core-properties"/>
-    <ds:schemaRef ds:uri="http://www.w3.org/2001/XMLSchema"/>
+    <ds:schemaRef ds:uri="http://schemas.microsoft.com/sharepoint/v3/contenttype/forms"/>
   </ds:schemaRefs>
 </ds:datastoreItem>
 </file>